--- a/Gene-circuit/Genetic_Element/Assets.pptx
+++ b/Gene-circuit/Genetic_Element/Assets.pptx
@@ -4479,13 +4479,13 @@
           <a:lstStyle/>
           <a:p>
             <a:pPr algn="ctr"/>
-            <a:endParaRPr lang="zh-CN" altLang="en-US"/>
-          </a:p>
-        </p:txBody>
-      </p:sp>
-      <p:sp>
-        <p:nvSpPr>
-          <p:cNvPr id="39" name="任意多边形: 形状 38">
+            <a:endParaRPr lang="zh-CN" altLang="en-US" dirty="0"/>
+          </a:p>
+        </p:txBody>
+      </p:sp>
+      <p:sp>
+        <p:nvSpPr>
+          <p:cNvPr id="40" name="任意多边形: 形状 39">
             <a:extLst>
               <a:ext uri="{FF2B5EF4-FFF2-40B4-BE49-F238E27FC236}">
                 <a16:creationId xmlns:a16="http://schemas.microsoft.com/office/drawing/2014/main" id="{35D139BF-D8E6-A685-EBEE-883B55E8861B}"/>
